--- a/feature/cover/封面模板.pptx
+++ b/feature/cover/封面模板.pptx
@@ -3693,9 +3693,134 @@
         <p:nvPr/>
       </p:nvGrpSpPr>
       <p:grpSpPr/>
+      <p:grpSp>
+        <p:nvGrpSpPr>
+          <p:cNvPr id="7" name="组合 6"/>
+          <p:cNvGrpSpPr/>
+          <p:nvPr/>
+        </p:nvGrpSpPr>
+        <p:grpSpPr>
+          <a:xfrm>
+            <a:off x="3036570" y="325120"/>
+            <a:ext cx="2486025" cy="721360"/>
+            <a:chOff x="4782" y="512"/>
+            <a:chExt cx="3915" cy="1136"/>
+          </a:xfrm>
+        </p:grpSpPr>
+        <p:sp>
+          <p:nvSpPr>
+            <p:cNvPr id="4" name="圆角矩形 3"/>
+            <p:cNvSpPr/>
+            <p:nvPr/>
+          </p:nvSpPr>
+          <p:spPr>
+            <a:xfrm>
+              <a:off x="4782" y="512"/>
+              <a:ext cx="3915" cy="1136"/>
+            </a:xfrm>
+            <a:prstGeom prst="roundRect">
+              <a:avLst/>
+            </a:prstGeom>
+            <a:solidFill>
+              <a:schemeClr val="tx1"/>
+            </a:solidFill>
+            <a:ln>
+              <a:noFill/>
+            </a:ln>
+          </p:spPr>
+          <p:style>
+            <a:lnRef idx="2">
+              <a:schemeClr val="accent1">
+                <a:lumMod val="75000"/>
+              </a:schemeClr>
+            </a:lnRef>
+            <a:fillRef idx="1">
+              <a:schemeClr val="accent1"/>
+            </a:fillRef>
+            <a:effectRef idx="0">
+              <a:srgbClr val="FFFFFF"/>
+            </a:effectRef>
+            <a:fontRef idx="minor">
+              <a:schemeClr val="lt1"/>
+            </a:fontRef>
+          </p:style>
+          <p:txBody>
+            <a:bodyPr rtlCol="0" anchor="ctr"/>
+            <a:p>
+              <a:pPr algn="ctr"/>
+              <a:endParaRPr lang="zh-CN" altLang="en-US"/>
+            </a:p>
+          </p:txBody>
+        </p:sp>
+        <p:grpSp>
+          <p:nvGrpSpPr>
+            <p:cNvPr id="3" name="组合 2"/>
+            <p:cNvGrpSpPr/>
+            <p:nvPr/>
+          </p:nvGrpSpPr>
+          <p:grpSpPr>
+            <a:xfrm>
+              <a:off x="4917" y="512"/>
+              <a:ext cx="3675" cy="931"/>
+              <a:chOff x="4917" y="512"/>
+              <a:chExt cx="3675" cy="931"/>
+            </a:xfrm>
+          </p:grpSpPr>
+          <p:pic>
+            <p:nvPicPr>
+              <p:cNvPr id="5" name="图片 4" descr="bg"/>
+              <p:cNvPicPr>
+                <a:picLocks noChangeAspect="1"/>
+              </p:cNvPicPr>
+              <p:nvPr/>
+            </p:nvPicPr>
+            <p:blipFill>
+              <a:blip r:embed="rId1"/>
+              <a:stretch>
+                <a:fillRect/>
+              </a:stretch>
+            </p:blipFill>
+            <p:spPr>
+              <a:xfrm>
+                <a:off x="4917" y="512"/>
+                <a:ext cx="438" cy="931"/>
+              </a:xfrm>
+              <a:prstGeom prst="rect">
+                <a:avLst/>
+              </a:prstGeom>
+            </p:spPr>
+          </p:pic>
+          <p:pic>
+            <p:nvPicPr>
+              <p:cNvPr id="6" name="图片 5" descr="图片1"/>
+              <p:cNvPicPr>
+                <a:picLocks noChangeAspect="1"/>
+              </p:cNvPicPr>
+              <p:nvPr/>
+            </p:nvPicPr>
+            <p:blipFill>
+              <a:blip r:embed="rId2"/>
+              <a:srcRect r="48832"/>
+              <a:stretch>
+                <a:fillRect/>
+              </a:stretch>
+            </p:blipFill>
+            <p:spPr>
+              <a:xfrm>
+                <a:off x="5459" y="644"/>
+                <a:ext cx="3133" cy="789"/>
+              </a:xfrm>
+              <a:prstGeom prst="rect">
+                <a:avLst/>
+              </a:prstGeom>
+              <a:effectLst/>
+            </p:spPr>
+          </p:pic>
+        </p:grpSp>
+      </p:grpSp>
     </p:spTree>
     <p:custDataLst>
-      <p:tags r:id="rId1"/>
+      <p:tags r:id="rId3"/>
     </p:custDataLst>
   </p:cSld>
   <p:clrMapOvr>
